--- a/Vulnerabilities/ProperPermissions/PermissionPrivacy.pptx
+++ b/Vulnerabilities/ProperPermissions/PermissionPrivacy.pptx
@@ -6,9 +6,9 @@
   </p:sldMasterIdLst>
   <p:sldIdLst>
     <p:sldId id="256" r:id="rId2"/>
-    <p:sldId id="274" r:id="rId3"/>
-    <p:sldId id="280" r:id="rId4"/>
-    <p:sldId id="282" r:id="rId5"/>
+    <p:sldId id="280" r:id="rId3"/>
+    <p:sldId id="282" r:id="rId4"/>
+    <p:sldId id="274" r:id="rId5"/>
     <p:sldId id="281" r:id="rId6"/>
     <p:sldId id="283" r:id="rId7"/>
     <p:sldId id="272" r:id="rId8"/>
@@ -119,7 +119,7 @@
   </p:defaultTextStyle>
   <p:extLst>
     <p:ext uri="{EFAFB233-063F-42B5-8137-9DF3F51BA10A}">
-      <p15:sldGuideLst xmlns="" xmlns:p15="http://schemas.microsoft.com/office/powerpoint/2012/main">
+      <p15:sldGuideLst xmlns:p15="http://schemas.microsoft.com/office/powerpoint/2012/main" xmlns="">
         <p15:guide id="1" orient="horz" pos="2160">
           <p15:clr>
             <a:srgbClr val="A4A3A4"/>
@@ -269,7 +269,7 @@
           <a:p>
             <a:fld id="{D1C5A854-3A0C-43B7-AE6D-AB817FE73E17}" type="datetimeFigureOut">
               <a:rPr lang="en-US" smtClean="0"/>
-              <a:t>6/24/18</a:t>
+              <a:t>7/1/18</a:t>
             </a:fld>
             <a:endParaRPr lang="en-US"/>
           </a:p>
@@ -437,7 +437,7 @@
           <a:p>
             <a:fld id="{D1C5A854-3A0C-43B7-AE6D-AB817FE73E17}" type="datetimeFigureOut">
               <a:rPr lang="en-US" smtClean="0"/>
-              <a:t>6/24/18</a:t>
+              <a:t>7/1/18</a:t>
             </a:fld>
             <a:endParaRPr lang="en-US"/>
           </a:p>
@@ -615,7 +615,7 @@
           <a:p>
             <a:fld id="{D1C5A854-3A0C-43B7-AE6D-AB817FE73E17}" type="datetimeFigureOut">
               <a:rPr lang="en-US" smtClean="0"/>
-              <a:t>6/24/18</a:t>
+              <a:t>7/1/18</a:t>
             </a:fld>
             <a:endParaRPr lang="en-US"/>
           </a:p>
@@ -1119,7 +1119,7 @@
           <a:p>
             <a:fld id="{D1C5A854-3A0C-43B7-AE6D-AB817FE73E17}" type="datetimeFigureOut">
               <a:rPr lang="en-US" smtClean="0"/>
-              <a:t>6/24/18</a:t>
+              <a:t>7/1/18</a:t>
             </a:fld>
             <a:endParaRPr lang="en-US"/>
           </a:p>
@@ -1348,7 +1348,7 @@
           <a:p>
             <a:fld id="{D1C5A854-3A0C-43B7-AE6D-AB817FE73E17}" type="datetimeFigureOut">
               <a:rPr lang="en-US" smtClean="0"/>
-              <a:t>6/24/18</a:t>
+              <a:t>7/1/18</a:t>
             </a:fld>
             <a:endParaRPr lang="en-US"/>
           </a:p>
@@ -1712,7 +1712,7 @@
           <a:p>
             <a:fld id="{D1C5A854-3A0C-43B7-AE6D-AB817FE73E17}" type="datetimeFigureOut">
               <a:rPr lang="en-US" smtClean="0"/>
-              <a:t>6/24/18</a:t>
+              <a:t>7/1/18</a:t>
             </a:fld>
             <a:endParaRPr lang="en-US"/>
           </a:p>
@@ -1829,7 +1829,7 @@
           <a:p>
             <a:fld id="{D1C5A854-3A0C-43B7-AE6D-AB817FE73E17}" type="datetimeFigureOut">
               <a:rPr lang="en-US" smtClean="0"/>
-              <a:t>6/24/18</a:t>
+              <a:t>7/1/18</a:t>
             </a:fld>
             <a:endParaRPr lang="en-US"/>
           </a:p>
@@ -1924,7 +1924,7 @@
           <a:p>
             <a:fld id="{D1C5A854-3A0C-43B7-AE6D-AB817FE73E17}" type="datetimeFigureOut">
               <a:rPr lang="en-US" smtClean="0"/>
-              <a:t>6/24/18</a:t>
+              <a:t>7/1/18</a:t>
             </a:fld>
             <a:endParaRPr lang="en-US"/>
           </a:p>
@@ -2199,7 +2199,7 @@
           <a:p>
             <a:fld id="{D1C5A854-3A0C-43B7-AE6D-AB817FE73E17}" type="datetimeFigureOut">
               <a:rPr lang="en-US" smtClean="0"/>
-              <a:t>6/24/18</a:t>
+              <a:t>7/1/18</a:t>
             </a:fld>
             <a:endParaRPr lang="en-US"/>
           </a:p>
@@ -2451,7 +2451,7 @@
           <a:p>
             <a:fld id="{D1C5A854-3A0C-43B7-AE6D-AB817FE73E17}" type="datetimeFigureOut">
               <a:rPr lang="en-US" smtClean="0"/>
-              <a:t>6/24/18</a:t>
+              <a:t>7/1/18</a:t>
             </a:fld>
             <a:endParaRPr lang="en-US"/>
           </a:p>
@@ -2662,7 +2662,7 @@
           <a:p>
             <a:fld id="{D1C5A854-3A0C-43B7-AE6D-AB817FE73E17}" type="datetimeFigureOut">
               <a:rPr lang="en-US" smtClean="0"/>
-              <a:t>6/24/18</a:t>
+              <a:t>7/1/18</a:t>
             </a:fld>
             <a:endParaRPr lang="en-US"/>
           </a:p>
@@ -4223,96 +4223,6 @@
           <a:p>
             <a:r>
               <a:rPr lang="en-US" dirty="0" smtClean="0"/>
-              <a:t>What’s wrong with this?</a:t>
-            </a:r>
-            <a:endParaRPr lang="en-US" dirty="0"/>
-          </a:p>
-        </p:txBody>
-      </p:sp>
-      <p:pic>
-        <p:nvPicPr>
-          <p:cNvPr id="4" name="Picture 3" descr="IMG_0071.JPG"/>
-          <p:cNvPicPr>
-            <a:picLocks noChangeAspect="1"/>
-          </p:cNvPicPr>
-          <p:nvPr/>
-        </p:nvPicPr>
-        <p:blipFill>
-          <a:blip r:embed="rId2">
-            <a:extLst>
-              <a:ext uri="{28A0092B-C50C-407E-A947-70E740481C1C}">
-                <a14:useLocalDpi xmlns:a14="http://schemas.microsoft.com/office/drawing/2010/main" val="0"/>
-              </a:ext>
-            </a:extLst>
-          </a:blip>
-          <a:stretch>
-            <a:fillRect/>
-          </a:stretch>
-        </p:blipFill>
-        <p:spPr>
-          <a:xfrm>
-            <a:off x="5007445" y="1298222"/>
-            <a:ext cx="3092333" cy="5496226"/>
-          </a:xfrm>
-          <a:prstGeom prst="rect">
-            <a:avLst/>
-          </a:prstGeom>
-        </p:spPr>
-      </p:pic>
-    </p:spTree>
-    <p:extLst>
-      <p:ext uri="{BB962C8B-B14F-4D97-AF65-F5344CB8AC3E}">
-        <p14:creationId xmlns:p14="http://schemas.microsoft.com/office/powerpoint/2010/main" val="742950878"/>
-      </p:ext>
-    </p:extLst>
-  </p:cSld>
-  <p:clrMapOvr>
-    <a:masterClrMapping/>
-  </p:clrMapOvr>
-  <p:timing>
-    <p:tnLst>
-      <p:par>
-        <p:cTn xmlns:p14="http://schemas.microsoft.com/office/powerpoint/2010/main" id="1" dur="indefinite" restart="never" nodeType="tmRoot"/>
-      </p:par>
-    </p:tnLst>
-  </p:timing>
-</p:sld>
-</file>
-
-<file path=ppt/slides/slide3.xml><?xml version="1.0" encoding="utf-8"?>
-<p:sld xmlns:a="http://schemas.openxmlformats.org/drawingml/2006/main" xmlns:r="http://schemas.openxmlformats.org/officeDocument/2006/relationships" xmlns:p="http://schemas.openxmlformats.org/presentationml/2006/main">
-  <p:cSld>
-    <p:spTree>
-      <p:nvGrpSpPr>
-        <p:cNvPr id="1" name=""/>
-        <p:cNvGrpSpPr/>
-        <p:nvPr/>
-      </p:nvGrpSpPr>
-      <p:grpSpPr>
-        <a:xfrm>
-          <a:off x="0" y="0"/>
-          <a:ext cx="0" cy="0"/>
-          <a:chOff x="0" y="0"/>
-          <a:chExt cx="0" cy="0"/>
-        </a:xfrm>
-      </p:grpSpPr>
-      <p:sp>
-        <p:nvSpPr>
-          <p:cNvPr id="2" name="Title 1"/>
-          <p:cNvSpPr>
-            <a:spLocks noGrp="1"/>
-          </p:cNvSpPr>
-          <p:nvPr>
-            <p:ph type="title"/>
-          </p:nvPr>
-        </p:nvSpPr>
-        <p:spPr/>
-        <p:txBody>
-          <a:bodyPr/>
-          <a:lstStyle/>
-          <a:p>
-            <a:r>
-              <a:rPr lang="en-US" dirty="0" smtClean="0"/>
               <a:t>Think About Your Favorite App</a:t>
             </a:r>
             <a:endParaRPr lang="en-US" dirty="0"/>
@@ -4443,7 +4353,7 @@
 </p:sld>
 </file>
 
-<file path=ppt/slides/slide4.xml><?xml version="1.0" encoding="utf-8"?>
+<file path=ppt/slides/slide3.xml><?xml version="1.0" encoding="utf-8"?>
 <p:sld xmlns:a="http://schemas.openxmlformats.org/drawingml/2006/main" xmlns:r="http://schemas.openxmlformats.org/officeDocument/2006/relationships" xmlns:p="http://schemas.openxmlformats.org/presentationml/2006/main">
   <p:cSld>
     <p:spTree>
@@ -4782,6 +4692,96 @@
   <p:clrMapOvr>
     <a:masterClrMapping/>
   </p:clrMapOvr>
+</p:sld>
+</file>
+
+<file path=ppt/slides/slide4.xml><?xml version="1.0" encoding="utf-8"?>
+<p:sld xmlns:a="http://schemas.openxmlformats.org/drawingml/2006/main" xmlns:r="http://schemas.openxmlformats.org/officeDocument/2006/relationships" xmlns:p="http://schemas.openxmlformats.org/presentationml/2006/main">
+  <p:cSld>
+    <p:spTree>
+      <p:nvGrpSpPr>
+        <p:cNvPr id="1" name=""/>
+        <p:cNvGrpSpPr/>
+        <p:nvPr/>
+      </p:nvGrpSpPr>
+      <p:grpSpPr>
+        <a:xfrm>
+          <a:off x="0" y="0"/>
+          <a:ext cx="0" cy="0"/>
+          <a:chOff x="0" y="0"/>
+          <a:chExt cx="0" cy="0"/>
+        </a:xfrm>
+      </p:grpSpPr>
+      <p:sp>
+        <p:nvSpPr>
+          <p:cNvPr id="2" name="Title 1"/>
+          <p:cNvSpPr>
+            <a:spLocks noGrp="1"/>
+          </p:cNvSpPr>
+          <p:nvPr>
+            <p:ph type="title"/>
+          </p:nvPr>
+        </p:nvSpPr>
+        <p:spPr/>
+        <p:txBody>
+          <a:bodyPr/>
+          <a:lstStyle/>
+          <a:p>
+            <a:r>
+              <a:rPr lang="en-US" dirty="0" smtClean="0"/>
+              <a:t>What’s wrong with this?</a:t>
+            </a:r>
+            <a:endParaRPr lang="en-US" dirty="0"/>
+          </a:p>
+        </p:txBody>
+      </p:sp>
+      <p:pic>
+        <p:nvPicPr>
+          <p:cNvPr id="4" name="Picture 3" descr="IMG_0071.JPG"/>
+          <p:cNvPicPr>
+            <a:picLocks noChangeAspect="1"/>
+          </p:cNvPicPr>
+          <p:nvPr/>
+        </p:nvPicPr>
+        <p:blipFill>
+          <a:blip r:embed="rId2">
+            <a:extLst>
+              <a:ext uri="{28A0092B-C50C-407E-A947-70E740481C1C}">
+                <a14:useLocalDpi xmlns:a14="http://schemas.microsoft.com/office/drawing/2010/main" val="0"/>
+              </a:ext>
+            </a:extLst>
+          </a:blip>
+          <a:stretch>
+            <a:fillRect/>
+          </a:stretch>
+        </p:blipFill>
+        <p:spPr>
+          <a:xfrm>
+            <a:off x="5007445" y="1298222"/>
+            <a:ext cx="3092333" cy="5496226"/>
+          </a:xfrm>
+          <a:prstGeom prst="rect">
+            <a:avLst/>
+          </a:prstGeom>
+        </p:spPr>
+      </p:pic>
+    </p:spTree>
+    <p:extLst>
+      <p:ext uri="{BB962C8B-B14F-4D97-AF65-F5344CB8AC3E}">
+        <p14:creationId xmlns:p14="http://schemas.microsoft.com/office/powerpoint/2010/main" val="742950878"/>
+      </p:ext>
+    </p:extLst>
+  </p:cSld>
+  <p:clrMapOvr>
+    <a:masterClrMapping/>
+  </p:clrMapOvr>
+  <p:timing>
+    <p:tnLst>
+      <p:par>
+        <p:cTn xmlns:p14="http://schemas.microsoft.com/office/powerpoint/2010/main" id="1" dur="indefinite" restart="never" nodeType="tmRoot"/>
+      </p:par>
+    </p:tnLst>
+  </p:timing>
 </p:sld>
 </file>
 
@@ -5664,7 +5664,7 @@
   <a:extraClrSchemeLst/>
   <a:extLst>
     <a:ext uri="{05A4C25C-085E-4340-85A3-A5531E510DB2}">
-      <thm15:themeFamily xmlns="" xmlns:thm15="http://schemas.microsoft.com/office/thememl/2012/main" name="Office Theme" id="{62F939B6-93AF-4DB8-9C6B-D6C7DFDC589F}" vid="{4A3C46E8-61CC-4603-A589-7422A47A8E4A}"/>
+      <thm15:themeFamily xmlns:thm15="http://schemas.microsoft.com/office/thememl/2012/main" xmlns="" name="Office Theme" id="{62F939B6-93AF-4DB8-9C6B-D6C7DFDC589F}" vid="{4A3C46E8-61CC-4603-A589-7422A47A8E4A}"/>
     </a:ext>
   </a:extLst>
 </a:theme>
